--- a/104 자율비행 스터디/910606 Bebop 드론 PX4 주행 프로그램 업로드.pptx
+++ b/104 자율비행 스터디/910606 Bebop 드론 PX4 주행 프로그램 업로드.pptx
@@ -447,7 +447,7 @@
           <a:p>
             <a:fld id="{60456C2F-1F67-44A5-80B0-9C3A6CA33C82}" type="datetimeFigureOut">
               <a:rPr lang="en-US" smtClean="0"/>
-              <a:t>6/6/2019</a:t>
+              <a:t>6/7/2019</a:t>
             </a:fld>
             <a:endParaRPr lang="en-US"/>
           </a:p>
@@ -846,7 +846,7 @@
           <a:p>
             <a:fld id="{B06DE1AE-4639-4348-B0F3-0167B6694DC9}" type="datetime1">
               <a:rPr lang="ko-KR" altLang="en-US" smtClean="0"/>
-              <a:t>2019-06-06</a:t>
+              <a:t>2019-06-07</a:t>
             </a:fld>
             <a:endParaRPr lang="en-US"/>
           </a:p>
@@ -1020,7 +1020,7 @@
           <a:p>
             <a:fld id="{0A6664A7-F427-4CE6-B4E0-68F20D477FC0}" type="datetime1">
               <a:rPr lang="ko-KR" altLang="en-US" smtClean="0"/>
-              <a:t>2019-06-06</a:t>
+              <a:t>2019-06-07</a:t>
             </a:fld>
             <a:endParaRPr lang="en-US"/>
           </a:p>
@@ -1356,7 +1356,7 @@
           <a:p>
             <a:fld id="{FA9B1944-E9AA-4CB3-A3C3-A27AE56A9BB7}" type="datetime1">
               <a:rPr lang="ko-KR" altLang="en-US" smtClean="0"/>
-              <a:t>2019-06-06</a:t>
+              <a:t>2019-06-07</a:t>
             </a:fld>
             <a:endParaRPr lang="en-US"/>
           </a:p>
@@ -1635,7 +1635,7 @@
           <a:p>
             <a:fld id="{99BD86E3-99A1-4169-B1C8-1A55721196C8}" type="datetime1">
               <a:rPr lang="ko-KR" altLang="en-US" smtClean="0"/>
-              <a:t>2019-06-06</a:t>
+              <a:t>2019-06-07</a:t>
             </a:fld>
             <a:endParaRPr lang="en-US"/>
           </a:p>
@@ -1951,7 +1951,7 @@
           <a:p>
             <a:fld id="{CE304F0F-8039-4A08-ADA5-D10D3A9B33DF}" type="datetime1">
               <a:rPr lang="ko-KR" altLang="en-US" smtClean="0"/>
-              <a:t>2019-06-06</a:t>
+              <a:t>2019-06-07</a:t>
             </a:fld>
             <a:endParaRPr lang="en-US"/>
           </a:p>
@@ -2365,7 +2365,7 @@
           <a:p>
             <a:fld id="{28866B29-90F0-4A08-89FB-620AA2F0F8D3}" type="datetime1">
               <a:rPr lang="ko-KR" altLang="en-US" smtClean="0"/>
-              <a:t>2019-06-06</a:t>
+              <a:t>2019-06-07</a:t>
             </a:fld>
             <a:endParaRPr lang="en-US"/>
           </a:p>
@@ -2487,7 +2487,7 @@
           <a:p>
             <a:fld id="{B9615DA9-78D4-48B3-9962-E7DA71CD6641}" type="datetime1">
               <a:rPr lang="ko-KR" altLang="en-US" smtClean="0"/>
-              <a:t>2019-06-06</a:t>
+              <a:t>2019-06-07</a:t>
             </a:fld>
             <a:endParaRPr lang="en-US"/>
           </a:p>
@@ -2634,7 +2634,7 @@
           <a:p>
             <a:fld id="{9DE34919-3FD6-4B5C-A4D1-EEDC57DC61BF}" type="datetime1">
               <a:rPr lang="ko-KR" altLang="en-US" smtClean="0"/>
-              <a:t>2019-06-06</a:t>
+              <a:t>2019-06-07</a:t>
             </a:fld>
             <a:endParaRPr lang="en-US"/>
           </a:p>
@@ -2853,7 +2853,7 @@
           <a:p>
             <a:fld id="{1A5DDEA1-2698-4E9D-9D16-4796BB1B4EE7}" type="datetime1">
               <a:rPr lang="ko-KR" altLang="en-US" smtClean="0"/>
-              <a:t>2019-06-06</a:t>
+              <a:t>2019-06-07</a:t>
             </a:fld>
             <a:endParaRPr lang="en-US"/>
           </a:p>
@@ -3550,8 +3550,17 @@
             <a:pPr lvl="1"/>
             <a:r>
               <a:rPr lang="en-US" sz="2000" dirty="0"/>
-              <a:t>sudo apt install android-tools-adb –y</a:t>
-            </a:r>
+              <a:t>sudo apt </a:t>
+            </a:r>
+            <a:r>
+              <a:rPr lang="en-US" sz="2000"/>
+              <a:t>install </a:t>
+            </a:r>
+            <a:r>
+              <a:rPr lang="en-US" sz="2000" smtClean="0"/>
+              <a:t>android-tools-adb</a:t>
+            </a:r>
+            <a:endParaRPr lang="en-US" sz="2000" dirty="0"/>
           </a:p>
           <a:p>
             <a:endParaRPr lang="en-US" sz="2000" dirty="0"/>
@@ -3575,7 +3584,7 @@
           <a:p>
             <a:fld id="{0A6664A7-F427-4CE6-B4E0-68F20D477FC0}" type="datetime1">
               <a:rPr lang="ko-KR" altLang="en-US" smtClean="0"/>
-              <a:t>2019-06-06</a:t>
+              <a:t>2019-06-07</a:t>
             </a:fld>
             <a:endParaRPr lang="en-US"/>
           </a:p>
@@ -3805,11 +3814,7 @@
             <a:pPr lvl="1"/>
             <a:r>
               <a:rPr lang="en-US" sz="1800"/>
-              <a:t>git submodule </a:t>
-            </a:r>
-            <a:r>
-              <a:rPr lang="en-US" sz="1800"/>
-              <a:t>sync </a:t>
+              <a:t>git submodule sync </a:t>
             </a:r>
             <a:r>
               <a:rPr lang="en-US" sz="1800" smtClean="0"/>
@@ -3882,7 +3887,7 @@
           <a:p>
             <a:fld id="{0A6664A7-F427-4CE6-B4E0-68F20D477FC0}" type="datetime1">
               <a:rPr lang="ko-KR" altLang="en-US" smtClean="0"/>
-              <a:t>2019-06-06</a:t>
+              <a:t>2019-06-07</a:t>
             </a:fld>
             <a:endParaRPr lang="en-US"/>
           </a:p>
@@ -4008,7 +4013,7 @@
         <p:spPr/>
         <p:txBody>
           <a:bodyPr>
-            <a:normAutofit/>
+            <a:normAutofit lnSpcReduction="10000"/>
           </a:bodyPr>
           <a:lstStyle/>
           <a:p>
@@ -4152,32 +4157,31 @@
           </a:p>
           <a:p>
             <a:r>
-              <a:rPr lang="en-US" dirty="0"/>
-              <a:t>adb </a:t>
-            </a:r>
-            <a:r>
-              <a:rPr lang="ko-KR" altLang="en-US" dirty="0"/>
-              <a:t>프로그램으로 </a:t>
-            </a:r>
-            <a:r>
-              <a:rPr lang="en-US" altLang="ko-KR" dirty="0"/>
-              <a:t>bebop </a:t>
-            </a:r>
-            <a:r>
-              <a:rPr lang="ko-KR" altLang="en-US" dirty="0"/>
-              <a:t>접속</a:t>
+              <a:rPr lang="ko-KR" altLang="en-US" smtClean="0"/>
+              <a:t>텔넷 접속 확인</a:t>
             </a:r>
             <a:endParaRPr lang="en-US" dirty="0"/>
           </a:p>
           <a:p>
             <a:pPr lvl="1"/>
             <a:r>
+              <a:rPr lang="ko-KR" altLang="en-US"/>
+              <a:t> </a:t>
+            </a:r>
+            <a:r>
+              <a:rPr lang="en-US" altLang="ko-KR" smtClean="0"/>
+              <a:t>telnet</a:t>
+            </a:r>
+            <a:r>
               <a:rPr lang="en-US" smtClean="0"/>
-              <a:t>adb </a:t>
-            </a:r>
-            <a:r>
-              <a:rPr lang="en-US"/>
-              <a:t>connect 192.168.42.1:9050</a:t>
+              <a:t> 192.168.42.1:9050</a:t>
+            </a:r>
+          </a:p>
+          <a:p>
+            <a:pPr lvl="2"/>
+            <a:r>
+              <a:rPr lang="en-US" smtClean="0"/>
+              <a:t>exit</a:t>
             </a:r>
             <a:endParaRPr lang="en-US" dirty="0"/>
           </a:p>
@@ -4200,7 +4204,7 @@
           <a:p>
             <a:fld id="{0A6664A7-F427-4CE6-B4E0-68F20D477FC0}" type="datetime1">
               <a:rPr lang="ko-KR" altLang="en-US" smtClean="0"/>
-              <a:t>2019-06-06</a:t>
+              <a:t>2019-06-07</a:t>
             </a:fld>
             <a:endParaRPr lang="en-US"/>
           </a:p>
@@ -4330,7 +4334,7 @@
           <a:p>
             <a:fld id="{0A6664A7-F427-4CE6-B4E0-68F20D477FC0}" type="datetime1">
               <a:rPr lang="ko-KR" altLang="en-US" smtClean="0"/>
-              <a:t>2019-06-06</a:t>
+              <a:t>2019-06-07</a:t>
             </a:fld>
             <a:endParaRPr lang="en-US"/>
           </a:p>
@@ -4405,64 +4409,7 @@
           <a:lstStyle/>
           <a:p>
             <a:r>
-              <a:rPr lang="ko-KR" altLang="en-US" dirty="0"/>
-              <a:t>루트 폴더를 수정 가능 모드로 재 마운트한다</a:t>
-            </a:r>
-            <a:r>
-              <a:rPr lang="en-US" altLang="ko-KR" dirty="0"/>
-              <a:t>.</a:t>
-            </a:r>
-            <a:endParaRPr lang="en-US" dirty="0"/>
-          </a:p>
-          <a:p>
-            <a:pPr lvl="1"/>
-            <a:r>
-              <a:rPr lang="en-US" smtClean="0"/>
-              <a:t>adb </a:t>
-            </a:r>
-            <a:r>
-              <a:rPr lang="en-US" dirty="0"/>
-              <a:t>shell mount -o </a:t>
-            </a:r>
-            <a:r>
-              <a:rPr lang="en-US" dirty="0" err="1"/>
-              <a:t>remount,rw</a:t>
-            </a:r>
-            <a:r>
-              <a:rPr lang="en-US" dirty="0"/>
-              <a:t> /  </a:t>
-            </a:r>
-          </a:p>
-          <a:p>
-            <a:r>
-              <a:rPr lang="ko-KR" altLang="en-US" sz="2400" dirty="0"/>
-              <a:t>업로드 폴더 생성</a:t>
-            </a:r>
-            <a:endParaRPr lang="en-US" sz="2400" dirty="0"/>
-          </a:p>
-          <a:p>
-            <a:pPr lvl="1"/>
-            <a:r>
-              <a:rPr lang="en-US" sz="2400" dirty="0"/>
-              <a:t>adb </a:t>
-            </a:r>
-            <a:r>
-              <a:rPr lang="en-US" sz="2400"/>
-              <a:t>shell </a:t>
-            </a:r>
-            <a:r>
               <a:rPr lang="en-US" sz="2400" smtClean="0"/>
-              <a:t> mkdir   /data/ftp/internal_000/</a:t>
-            </a:r>
-            <a:r>
-              <a:rPr lang="en-US" sz="2400" smtClean="0"/>
-              <a:t>px4</a:t>
-            </a:r>
-            <a:endParaRPr lang="en-US" sz="2400" dirty="0"/>
-          </a:p>
-          <a:p>
-            <a:r>
-              <a:rPr lang="en-US" sz="2400" dirty="0"/>
               <a:t>PX4 </a:t>
             </a:r>
             <a:r>
@@ -4493,38 +4440,14 @@
               <a:t>make </a:t>
             </a:r>
             <a:r>
-              <a:rPr lang="en-US" sz="2400" dirty="0"/>
-              <a:t>parrot_bebop upload</a:t>
-            </a:r>
-          </a:p>
-          <a:p>
-            <a:r>
-              <a:rPr lang="ko-KR" altLang="en-US" sz="2400" dirty="0"/>
-              <a:t>디스크 동기화</a:t>
+              <a:rPr lang="en-US" sz="2400"/>
+              <a:t>parrot_bebop </a:t>
+            </a:r>
+            <a:r>
+              <a:rPr lang="en-US" sz="2400" smtClean="0"/>
+              <a:t>upload</a:t>
             </a:r>
             <a:endParaRPr lang="en-US" sz="2400" dirty="0"/>
-          </a:p>
-          <a:p>
-            <a:pPr lvl="1"/>
-            <a:r>
-              <a:rPr lang="en-US" sz="2400" smtClean="0"/>
-              <a:t>adb </a:t>
-            </a:r>
-            <a:r>
-              <a:rPr lang="en-US" sz="2400" dirty="0"/>
-              <a:t>shell sync</a:t>
-            </a:r>
-          </a:p>
-          <a:p>
-            <a:pPr lvl="1"/>
-            <a:r>
-              <a:rPr lang="en-US" sz="2400" smtClean="0"/>
-              <a:t>adb </a:t>
-            </a:r>
-            <a:r>
-              <a:rPr lang="en-US" sz="2400" dirty="0"/>
-              <a:t>shell sync</a:t>
-            </a:r>
           </a:p>
         </p:txBody>
       </p:sp>
@@ -4620,7 +4543,7 @@
           <a:p>
             <a:fld id="{0A6664A7-F427-4CE6-B4E0-68F20D477FC0}" type="datetime1">
               <a:rPr lang="ko-KR" altLang="en-US" smtClean="0"/>
-              <a:t>2019-06-06</a:t>
+              <a:t>2019-06-07</a:t>
             </a:fld>
             <a:endParaRPr lang="en-US"/>
           </a:p>
@@ -4707,8 +4630,12 @@
           <a:p>
             <a:pPr lvl="1"/>
             <a:r>
+              <a:rPr lang="en-US" smtClean="0"/>
+              <a:t>telnet </a:t>
+            </a:r>
+            <a:r>
               <a:rPr lang="en-US" dirty="0"/>
-              <a:t>$ telnet 192.168.42.1</a:t>
+              <a:t>192.168.42.1</a:t>
             </a:r>
           </a:p>
           <a:p>
@@ -4729,13 +4656,36 @@
           <a:p>
             <a:pPr lvl="1"/>
             <a:r>
-              <a:rPr lang="en-US" dirty="0"/>
-              <a:t>$ kk</a:t>
-            </a:r>
-          </a:p>
-          <a:p>
-            <a:r>
-              <a:rPr lang="en-US" altLang="ko-KR" dirty="0"/>
+              <a:rPr lang="en-US" smtClean="0"/>
+              <a:t>kk</a:t>
+            </a:r>
+            <a:endParaRPr lang="en-US" dirty="0"/>
+          </a:p>
+          <a:p>
+            <a:r>
+              <a:rPr lang="ko-KR" altLang="en-US" smtClean="0"/>
+              <a:t>현재 실행중인 </a:t>
+            </a:r>
+            <a:r>
+              <a:rPr lang="en-US" altLang="ko-KR" smtClean="0"/>
+              <a:t>arducopter </a:t>
+            </a:r>
+            <a:r>
+              <a:rPr lang="ko-KR" altLang="en-US" smtClean="0"/>
+              <a:t>프로세스 정료</a:t>
+            </a:r>
+            <a:endParaRPr lang="en-US" altLang="ko-KR" smtClean="0"/>
+          </a:p>
+          <a:p>
+            <a:pPr lvl="1"/>
+            <a:r>
+              <a:rPr lang="en-US" altLang="ko-KR" smtClean="0"/>
+              <a:t>killall arducopter</a:t>
+            </a:r>
+          </a:p>
+          <a:p>
+            <a:r>
+              <a:rPr lang="en-US" altLang="ko-KR" smtClean="0"/>
               <a:t>PX4 </a:t>
             </a:r>
             <a:r>
@@ -4755,9 +4705,22 @@
           <a:p>
             <a:pPr lvl="1"/>
             <a:r>
+              <a:rPr lang="en-US" smtClean="0"/>
+              <a:t>/</a:t>
+            </a:r>
+            <a:r>
               <a:rPr lang="en-US" dirty="0"/>
-              <a:t>$ /data/ftp/internal_000/px4/px4 -s /home/root/px4.config</a:t>
-            </a:r>
+              <a:t>data/ftp/internal_000/px4/px4 -s </a:t>
+            </a:r>
+            <a:r>
+              <a:rPr lang="en-US"/>
+              <a:t>/</a:t>
+            </a:r>
+            <a:r>
+              <a:rPr lang="en-US" smtClean="0"/>
+              <a:t>home/root/px4.config </a:t>
+            </a:r>
+            <a:endParaRPr lang="en-US" dirty="0"/>
           </a:p>
           <a:p>
             <a:endParaRPr lang="en-US" altLang="ko-KR" dirty="0"/>
@@ -4860,7 +4823,7 @@
           <a:p>
             <a:fld id="{0A6664A7-F427-4CE6-B4E0-68F20D477FC0}" type="datetime1">
               <a:rPr lang="ko-KR" altLang="en-US" smtClean="0"/>
-              <a:t>2019-06-06</a:t>
+              <a:t>2019-06-07</a:t>
             </a:fld>
             <a:endParaRPr lang="en-US"/>
           </a:p>
@@ -4925,18 +4888,45 @@
         <p:spPr>
           <a:xfrm>
             <a:off x="681038" y="1255271"/>
-            <a:ext cx="8912141" cy="1980910"/>
+            <a:ext cx="8912141" cy="2516628"/>
           </a:xfrm>
         </p:spPr>
         <p:txBody>
           <a:bodyPr>
-            <a:normAutofit fontScale="70000" lnSpcReduction="20000"/>
+            <a:normAutofit fontScale="62500" lnSpcReduction="20000"/>
           </a:bodyPr>
           <a:lstStyle/>
           <a:p>
             <a:r>
+              <a:rPr lang="ko-KR" altLang="en-US"/>
+              <a:t>비밥 드론을 텔넷으로 접속한다</a:t>
+            </a:r>
+            <a:r>
+              <a:rPr lang="en-US" altLang="ko-KR"/>
+              <a:t>.</a:t>
+            </a:r>
+            <a:endParaRPr lang="en-US"/>
+          </a:p>
+          <a:p>
+            <a:pPr lvl="1"/>
+            <a:r>
+              <a:rPr lang="en-US"/>
+              <a:t>telnet </a:t>
+            </a:r>
+            <a:r>
+              <a:rPr lang="en-US" smtClean="0"/>
+              <a:t>192.168.42.1</a:t>
+            </a:r>
+            <a:endParaRPr lang="en-US" altLang="ko-KR" smtClean="0"/>
+          </a:p>
+          <a:p>
+            <a:r>
+              <a:rPr lang="ko-KR" altLang="en-US" smtClean="0"/>
+              <a:t>루트 </a:t>
+            </a:r>
+            <a:r>
               <a:rPr lang="ko-KR" altLang="en-US" dirty="0"/>
-              <a:t>루트 폴더를 수정 가능 모드로 재 마운트한다</a:t>
+              <a:t>폴더를 수정 가능 모드로 재 마운트한다</a:t>
             </a:r>
             <a:r>
               <a:rPr lang="en-US" altLang="ko-KR" dirty="0"/>
@@ -4947,8 +4937,12 @@
           <a:p>
             <a:pPr lvl="1"/>
             <a:r>
+              <a:rPr lang="en-US" smtClean="0"/>
+              <a:t>mount </a:t>
+            </a:r>
+            <a:r>
               <a:rPr lang="en-US" dirty="0"/>
-              <a:t>$ mount -o </a:t>
+              <a:t>-o </a:t>
             </a:r>
             <a:r>
               <a:rPr lang="en-US" dirty="0" err="1"/>
@@ -4962,16 +4956,24 @@
           </a:p>
           <a:p>
             <a:r>
+              <a:rPr lang="ko-KR" altLang="en-US" sz="2400" smtClean="0"/>
+              <a:t>리눅스 </a:t>
+            </a:r>
+            <a:r>
               <a:rPr lang="ko-KR" altLang="en-US" sz="2400" dirty="0"/>
-              <a:t>리눅스 자동 실행 프로그램 원본 복사</a:t>
+              <a:t>자동 실행 프로그램 원본 복사</a:t>
             </a:r>
             <a:endParaRPr lang="en-US" sz="2400" dirty="0"/>
           </a:p>
           <a:p>
             <a:pPr lvl="1"/>
             <a:r>
+              <a:rPr lang="en-US" sz="2400" smtClean="0"/>
+              <a:t>cp </a:t>
+            </a:r>
+            <a:r>
               <a:rPr lang="en-US" sz="2400" dirty="0"/>
-              <a:t>$ cp /etc/</a:t>
+              <a:t>/etc/</a:t>
             </a:r>
             <a:r>
               <a:rPr lang="en-US" sz="2400" dirty="0" err="1"/>
@@ -5013,8 +5015,12 @@
           <a:p>
             <a:pPr lvl="1"/>
             <a:r>
+              <a:rPr lang="en-US" sz="2400" smtClean="0"/>
+              <a:t>vi </a:t>
+            </a:r>
+            <a:r>
               <a:rPr lang="en-US" sz="2400" dirty="0"/>
-              <a:t>$ vi /etc/</a:t>
+              <a:t>/etc/</a:t>
             </a:r>
             <a:r>
               <a:rPr lang="en-US" sz="2400" dirty="0" err="1"/>
@@ -5047,8 +5053,8 @@
         </p:nvSpPr>
         <p:spPr>
           <a:xfrm>
-            <a:off x="1140349" y="3236180"/>
-            <a:ext cx="7625301" cy="3120171"/>
+            <a:off x="1140349" y="3771900"/>
+            <a:ext cx="7625301" cy="2584451"/>
           </a:xfrm>
           <a:prstGeom prst="rect">
             <a:avLst/>
@@ -5062,7 +5068,7 @@
         </p:spPr>
         <p:txBody>
           <a:bodyPr wrap="square">
-            <a:normAutofit lnSpcReduction="10000"/>
+            <a:normAutofit fontScale="92500" lnSpcReduction="20000"/>
           </a:bodyPr>
           <a:lstStyle/>
           <a:p>
@@ -5170,9 +5176,16 @@
           </a:p>
           <a:p>
             <a:r>
-              <a:rPr lang="en-US" dirty="0"/>
-              <a:t>/data/ftp/internal_000/px4/px4 -d -s /home/root/px4.config /data/ftp/internal_000/px4/ &gt;/dev/null &amp;</a:t>
-            </a:r>
+              <a:rPr lang="en-US" smtClean="0"/>
+              <a:t>/</a:t>
+            </a:r>
+            <a:r>
+              <a:rPr lang="en-US"/>
+              <a:t>data/ftp/internal_000/px4/px4 -d -s /home/root/px4.config &gt; /home/root/px4.log</a:t>
+            </a:r>
+          </a:p>
+          <a:p>
+            <a:endParaRPr lang="en-US" dirty="0"/>
           </a:p>
           <a:p>
             <a:r>
@@ -5305,7 +5318,7 @@
           <a:p>
             <a:fld id="{0A6664A7-F427-4CE6-B4E0-68F20D477FC0}" type="datetime1">
               <a:rPr lang="ko-KR" altLang="en-US" smtClean="0"/>
-              <a:t>2019-06-06</a:t>
+              <a:t>2019-06-07</a:t>
             </a:fld>
             <a:endParaRPr lang="en-US"/>
           </a:p>
@@ -5541,7 +5554,7 @@
           <a:p>
             <a:fld id="{0A6664A7-F427-4CE6-B4E0-68F20D477FC0}" type="datetime1">
               <a:rPr lang="ko-KR" altLang="en-US" smtClean="0"/>
-              <a:t>2019-06-06</a:t>
+              <a:t>2019-06-07</a:t>
             </a:fld>
             <a:endParaRPr lang="en-US"/>
           </a:p>
@@ -5669,7 +5682,7 @@
           <a:p>
             <a:fld id="{0A6664A7-F427-4CE6-B4E0-68F20D477FC0}" type="datetime1">
               <a:rPr lang="ko-KR" altLang="en-US" smtClean="0"/>
-              <a:t>2019-06-06</a:t>
+              <a:t>2019-06-07</a:t>
             </a:fld>
             <a:endParaRPr lang="en-US"/>
           </a:p>
@@ -5848,7 +5861,7 @@
           <a:p>
             <a:fld id="{0A6664A7-F427-4CE6-B4E0-68F20D477FC0}" type="datetime1">
               <a:rPr lang="ko-KR" altLang="en-US" smtClean="0"/>
-              <a:t>2019-06-06</a:t>
+              <a:t>2019-06-07</a:t>
             </a:fld>
             <a:endParaRPr lang="en-US"/>
           </a:p>
@@ -6080,7 +6093,7 @@
           <a:p>
             <a:fld id="{0A6664A7-F427-4CE6-B4E0-68F20D477FC0}" type="datetime1">
               <a:rPr lang="ko-KR" altLang="en-US" smtClean="0"/>
-              <a:t>2019-06-06</a:t>
+              <a:t>2019-06-07</a:t>
             </a:fld>
             <a:endParaRPr lang="en-US"/>
           </a:p>
@@ -6235,7 +6248,7 @@
           <a:p>
             <a:fld id="{7499096A-FB80-4DFA-8377-57081A574AA4}" type="datetime1">
               <a:rPr lang="ko-KR" altLang="en-US" smtClean="0"/>
-              <a:t>2019-06-06</a:t>
+              <a:t>2019-06-07</a:t>
             </a:fld>
             <a:endParaRPr lang="en-US"/>
           </a:p>
@@ -6463,7 +6476,7 @@
           <a:p>
             <a:fld id="{0A6664A7-F427-4CE6-B4E0-68F20D477FC0}" type="datetime1">
               <a:rPr lang="ko-KR" altLang="en-US" smtClean="0"/>
-              <a:t>2019-06-06</a:t>
+              <a:t>2019-06-07</a:t>
             </a:fld>
             <a:endParaRPr lang="en-US"/>
           </a:p>
@@ -7655,7 +7668,7 @@
           <a:p>
             <a:fld id="{0A6664A7-F427-4CE6-B4E0-68F20D477FC0}" type="datetime1">
               <a:rPr lang="ko-KR" altLang="en-US" smtClean="0"/>
-              <a:t>2019-06-06</a:t>
+              <a:t>2019-06-07</a:t>
             </a:fld>
             <a:endParaRPr lang="en-US"/>
           </a:p>
@@ -8469,7 +8482,7 @@
           <a:p>
             <a:fld id="{0A6664A7-F427-4CE6-B4E0-68F20D477FC0}" type="datetime1">
               <a:rPr lang="ko-KR" altLang="en-US" smtClean="0"/>
-              <a:t>2019-06-06</a:t>
+              <a:t>2019-06-07</a:t>
             </a:fld>
             <a:endParaRPr lang="en-US"/>
           </a:p>
@@ -8826,7 +8839,7 @@
           <a:p>
             <a:fld id="{0A6664A7-F427-4CE6-B4E0-68F20D477FC0}" type="datetime1">
               <a:rPr lang="ko-KR" altLang="en-US" smtClean="0"/>
-              <a:t>2019-06-06</a:t>
+              <a:t>2019-06-07</a:t>
             </a:fld>
             <a:endParaRPr lang="en-US"/>
           </a:p>
@@ -9030,7 +9043,7 @@
           <a:p>
             <a:fld id="{0A6664A7-F427-4CE6-B4E0-68F20D477FC0}" type="datetime1">
               <a:rPr lang="ko-KR" altLang="en-US" smtClean="0"/>
-              <a:t>2019-06-06</a:t>
+              <a:t>2019-06-07</a:t>
             </a:fld>
             <a:endParaRPr lang="en-US"/>
           </a:p>
@@ -9226,7 +9239,7 @@
           <a:p>
             <a:fld id="{0A6664A7-F427-4CE6-B4E0-68F20D477FC0}" type="datetime1">
               <a:rPr lang="ko-KR" altLang="en-US" smtClean="0"/>
-              <a:t>2019-06-06</a:t>
+              <a:t>2019-06-07</a:t>
             </a:fld>
             <a:endParaRPr lang="en-US"/>
           </a:p>
@@ -9448,16 +9461,17 @@
             <a:pPr lvl="1"/>
             <a:r>
               <a:rPr lang="en-US" sz="2000" dirty="0"/>
-              <a:t>sudo apt install </a:t>
-            </a:r>
-            <a:r>
-              <a:rPr lang="en-US" sz="2000" dirty="0" err="1"/>
+              <a:t>sudo apt </a:t>
+            </a:r>
+            <a:r>
+              <a:rPr lang="en-US" sz="2000"/>
+              <a:t>install </a:t>
+            </a:r>
+            <a:r>
+              <a:rPr lang="en-US" sz="2000" smtClean="0"/>
               <a:t>cmake</a:t>
             </a:r>
-            <a:r>
-              <a:rPr lang="en-US" sz="2000" dirty="0"/>
-              <a:t> –y</a:t>
-            </a:r>
+            <a:endParaRPr lang="en-US" sz="2000" dirty="0"/>
           </a:p>
           <a:p>
             <a:pPr lvl="1"/>
@@ -9532,7 +9546,7 @@
           <a:p>
             <a:fld id="{0A6664A7-F427-4CE6-B4E0-68F20D477FC0}" type="datetime1">
               <a:rPr lang="ko-KR" altLang="en-US" smtClean="0"/>
-              <a:t>2019-06-06</a:t>
+              <a:t>2019-06-07</a:t>
             </a:fld>
             <a:endParaRPr lang="en-US"/>
           </a:p>

--- a/104 자율비행 스터디/910606 Bebop 드론 PX4 주행 프로그램 업로드.pptx
+++ b/104 자율비행 스터디/910606 Bebop 드론 PX4 주행 프로그램 업로드.pptx
@@ -447,7 +447,7 @@
           <a:p>
             <a:fld id="{60456C2F-1F67-44A5-80B0-9C3A6CA33C82}" type="datetimeFigureOut">
               <a:rPr lang="en-US" smtClean="0"/>
-              <a:t>6/7/2019</a:t>
+              <a:t>6/9/2019</a:t>
             </a:fld>
             <a:endParaRPr lang="en-US"/>
           </a:p>
@@ -846,7 +846,7 @@
           <a:p>
             <a:fld id="{B06DE1AE-4639-4348-B0F3-0167B6694DC9}" type="datetime1">
               <a:rPr lang="ko-KR" altLang="en-US" smtClean="0"/>
-              <a:t>2019-06-07</a:t>
+              <a:t>2019-06-09</a:t>
             </a:fld>
             <a:endParaRPr lang="en-US"/>
           </a:p>
@@ -1020,7 +1020,7 @@
           <a:p>
             <a:fld id="{0A6664A7-F427-4CE6-B4E0-68F20D477FC0}" type="datetime1">
               <a:rPr lang="ko-KR" altLang="en-US" smtClean="0"/>
-              <a:t>2019-06-07</a:t>
+              <a:t>2019-06-09</a:t>
             </a:fld>
             <a:endParaRPr lang="en-US"/>
           </a:p>
@@ -1356,7 +1356,7 @@
           <a:p>
             <a:fld id="{FA9B1944-E9AA-4CB3-A3C3-A27AE56A9BB7}" type="datetime1">
               <a:rPr lang="ko-KR" altLang="en-US" smtClean="0"/>
-              <a:t>2019-06-07</a:t>
+              <a:t>2019-06-09</a:t>
             </a:fld>
             <a:endParaRPr lang="en-US"/>
           </a:p>
@@ -1635,7 +1635,7 @@
           <a:p>
             <a:fld id="{99BD86E3-99A1-4169-B1C8-1A55721196C8}" type="datetime1">
               <a:rPr lang="ko-KR" altLang="en-US" smtClean="0"/>
-              <a:t>2019-06-07</a:t>
+              <a:t>2019-06-09</a:t>
             </a:fld>
             <a:endParaRPr lang="en-US"/>
           </a:p>
@@ -1951,7 +1951,7 @@
           <a:p>
             <a:fld id="{CE304F0F-8039-4A08-ADA5-D10D3A9B33DF}" type="datetime1">
               <a:rPr lang="ko-KR" altLang="en-US" smtClean="0"/>
-              <a:t>2019-06-07</a:t>
+              <a:t>2019-06-09</a:t>
             </a:fld>
             <a:endParaRPr lang="en-US"/>
           </a:p>
@@ -2365,7 +2365,7 @@
           <a:p>
             <a:fld id="{28866B29-90F0-4A08-89FB-620AA2F0F8D3}" type="datetime1">
               <a:rPr lang="ko-KR" altLang="en-US" smtClean="0"/>
-              <a:t>2019-06-07</a:t>
+              <a:t>2019-06-09</a:t>
             </a:fld>
             <a:endParaRPr lang="en-US"/>
           </a:p>
@@ -2487,7 +2487,7 @@
           <a:p>
             <a:fld id="{B9615DA9-78D4-48B3-9962-E7DA71CD6641}" type="datetime1">
               <a:rPr lang="ko-KR" altLang="en-US" smtClean="0"/>
-              <a:t>2019-06-07</a:t>
+              <a:t>2019-06-09</a:t>
             </a:fld>
             <a:endParaRPr lang="en-US"/>
           </a:p>
@@ -2634,7 +2634,7 @@
           <a:p>
             <a:fld id="{9DE34919-3FD6-4B5C-A4D1-EEDC57DC61BF}" type="datetime1">
               <a:rPr lang="ko-KR" altLang="en-US" smtClean="0"/>
-              <a:t>2019-06-07</a:t>
+              <a:t>2019-06-09</a:t>
             </a:fld>
             <a:endParaRPr lang="en-US"/>
           </a:p>
@@ -2853,7 +2853,7 @@
           <a:p>
             <a:fld id="{1A5DDEA1-2698-4E9D-9D16-4796BB1B4EE7}" type="datetime1">
               <a:rPr lang="ko-KR" altLang="en-US" smtClean="0"/>
-              <a:t>2019-06-07</a:t>
+              <a:t>2019-06-09</a:t>
             </a:fld>
             <a:endParaRPr lang="en-US"/>
           </a:p>
@@ -3295,10 +3295,6 @@
               <a:rPr lang="ko-KR" altLang="en-US" sz="4800" dirty="0"/>
               <a:t>드론 </a:t>
             </a:r>
-            <a:r>
-              <a:rPr lang="en-US" altLang="ko-KR" sz="4800" dirty="0"/>
-              <a:t/>
-            </a:r>
             <a:br>
               <a:rPr lang="en-US" altLang="ko-KR" sz="4800" dirty="0"/>
             </a:br>
@@ -3554,11 +3550,7 @@
             </a:r>
             <a:r>
               <a:rPr lang="en-US" sz="2000"/>
-              <a:t>install </a:t>
-            </a:r>
-            <a:r>
-              <a:rPr lang="en-US" sz="2000" smtClean="0"/>
-              <a:t>android-tools-adb</a:t>
+              <a:t>install android-tools-adb</a:t>
             </a:r>
             <a:endParaRPr lang="en-US" sz="2000" dirty="0"/>
           </a:p>
@@ -3584,7 +3576,7 @@
           <a:p>
             <a:fld id="{0A6664A7-F427-4CE6-B4E0-68F20D477FC0}" type="datetime1">
               <a:rPr lang="ko-KR" altLang="en-US" smtClean="0"/>
-              <a:t>2019-06-07</a:t>
+              <a:t>2019-06-09</a:t>
             </a:fld>
             <a:endParaRPr lang="en-US"/>
           </a:p>
@@ -3719,22 +3711,18 @@
           <a:p>
             <a:r>
               <a:rPr lang="ko-KR" altLang="en-US" sz="1800"/>
-              <a:t>소스 </a:t>
-            </a:r>
-            <a:r>
-              <a:rPr lang="ko-KR" altLang="en-US" sz="1800" smtClean="0"/>
-              <a:t>다운로드 및 실행</a:t>
+              <a:t>소스 다운로드 및 실행</a:t>
             </a:r>
             <a:endParaRPr lang="en-US" sz="1800" dirty="0"/>
           </a:p>
           <a:p>
             <a:pPr lvl="1"/>
             <a:r>
-              <a:rPr lang="en-US" sz="1800" smtClean="0"/>
+              <a:rPr lang="en-US" sz="1800"/>
               <a:t>cd  </a:t>
             </a:r>
             <a:r>
-              <a:rPr lang="en-US" altLang="ko-KR" sz="1800" smtClean="0"/>
+              <a:rPr lang="en-US" altLang="ko-KR" sz="1800"/>
               <a:t>~</a:t>
             </a:r>
             <a:endParaRPr lang="da-DK" sz="1800" dirty="0"/>
@@ -3742,28 +3730,16 @@
           <a:p>
             <a:pPr lvl="1"/>
             <a:r>
-              <a:rPr lang="da-DK" sz="1600" smtClean="0"/>
+              <a:rPr lang="da-DK" sz="1600"/>
               <a:t>wget  </a:t>
-            </a:r>
-            <a:r>
-              <a:rPr lang="da-DK" sz="1600" smtClean="0">
-                <a:hlinkClick r:id="rId2"/>
-              </a:rPr>
-              <a:t>https</a:t>
             </a:r>
             <a:r>
               <a:rPr lang="da-DK" sz="1600">
                 <a:hlinkClick r:id="rId2"/>
               </a:rPr>
-              <a:t>://</a:t>
-            </a:r>
-            <a:r>
-              <a:rPr lang="da-DK" sz="1600" smtClean="0">
-                <a:hlinkClick r:id="rId2"/>
-              </a:rPr>
-              <a:t>raw.githubusercontent.com/PX4/Devguide/master/build_scripts/ubuntu_sim_nuttx.sh</a:t>
-            </a:r>
-            <a:endParaRPr lang="da-DK" sz="1600" smtClean="0"/>
+              <a:t>https://raw.githubusercontent.com/PX4/Devguide/master/build_scripts/ubuntu_sim_nuttx.sh</a:t>
+            </a:r>
+            <a:endParaRPr lang="da-DK" sz="1600"/>
           </a:p>
           <a:p>
             <a:pPr lvl="1"/>
@@ -3784,11 +3760,7 @@
             <a:pPr lvl="1"/>
             <a:r>
               <a:rPr lang="en-US" sz="1800"/>
-              <a:t>cd </a:t>
-            </a:r>
-            <a:r>
-              <a:rPr lang="en-US" sz="1800" smtClean="0"/>
-              <a:t> ~/src/Firmware</a:t>
+              <a:t>cd  ~/src/Firmware</a:t>
             </a:r>
             <a:endParaRPr lang="en-US" sz="1800" dirty="0"/>
           </a:p>
@@ -3803,26 +3775,14 @@
             <a:pPr lvl="1"/>
             <a:r>
               <a:rPr lang="en-US" sz="1800"/>
-              <a:t>git </a:t>
-            </a:r>
-            <a:r>
-              <a:rPr lang="en-US" sz="1800" smtClean="0"/>
-              <a:t>pull</a:t>
+              <a:t>git pull</a:t>
             </a:r>
           </a:p>
           <a:p>
             <a:pPr lvl="1"/>
             <a:r>
               <a:rPr lang="en-US" sz="1800"/>
-              <a:t>git submodule sync </a:t>
-            </a:r>
-            <a:r>
-              <a:rPr lang="en-US" sz="1800" smtClean="0"/>
-              <a:t> --</a:t>
-            </a:r>
-            <a:r>
-              <a:rPr lang="en-US" sz="1800"/>
-              <a:t>recursive</a:t>
+              <a:t>git submodule sync  --recursive</a:t>
             </a:r>
             <a:endParaRPr lang="en-US" sz="1800" dirty="0"/>
           </a:p>
@@ -3834,11 +3794,7 @@
             </a:r>
             <a:r>
               <a:rPr lang="en-US" sz="1800"/>
-              <a:t>update </a:t>
-            </a:r>
-            <a:r>
-              <a:rPr lang="en-US" sz="1800" smtClean="0"/>
-              <a:t> --</a:t>
+              <a:t>update  --</a:t>
             </a:r>
             <a:r>
               <a:rPr lang="en-US" sz="1800" dirty="0"/>
@@ -3887,7 +3843,7 @@
           <a:p>
             <a:fld id="{0A6664A7-F427-4CE6-B4E0-68F20D477FC0}" type="datetime1">
               <a:rPr lang="ko-KR" altLang="en-US" smtClean="0"/>
-              <a:t>2019-06-07</a:t>
+              <a:t>2019-06-09</a:t>
             </a:fld>
             <a:endParaRPr lang="en-US"/>
           </a:p>
@@ -4013,7 +3969,7 @@
         <p:spPr/>
         <p:txBody>
           <a:bodyPr>
-            <a:normAutofit lnSpcReduction="10000"/>
+            <a:normAutofit/>
           </a:bodyPr>
           <a:lstStyle/>
           <a:p>
@@ -4026,22 +3982,14 @@
               <a:t>Bebop </a:t>
             </a:r>
             <a:r>
-              <a:rPr lang="ko-KR" altLang="en-US"/>
-              <a:t>와이파이 </a:t>
-            </a:r>
-            <a:r>
-              <a:rPr lang="ko-KR" altLang="en-US" smtClean="0"/>
-              <a:t>연결</a:t>
-            </a:r>
-            <a:r>
-              <a:rPr lang="en-US" altLang="ko-KR" smtClean="0"/>
-              <a:t/>
+              <a:rPr lang="ko-KR" altLang="en-US" dirty="0"/>
+              <a:t>와이파이 연결</a:t>
             </a:r>
             <a:br>
-              <a:rPr lang="en-US" altLang="ko-KR" smtClean="0"/>
+              <a:rPr lang="en-US" altLang="ko-KR" dirty="0"/>
             </a:br>
             <a:r>
-              <a:rPr lang="en-US" altLang="ko-KR" smtClean="0"/>
+              <a:rPr lang="en-US" altLang="ko-KR" dirty="0"/>
               <a:t>Bebop </a:t>
             </a:r>
             <a:r>
@@ -4082,33 +4030,17 @@
             <a:endParaRPr lang="en-US" altLang="ko-KR" dirty="0"/>
           </a:p>
           <a:p>
-            <a:pPr lvl="1"/>
-            <a:r>
-              <a:rPr lang="en-US" altLang="ko-KR" smtClean="0"/>
-              <a:t>ping 192.168.42.1</a:t>
-            </a:r>
-            <a:br>
-              <a:rPr lang="en-US" altLang="ko-KR" smtClean="0"/>
-            </a:br>
-            <a:r>
-              <a:rPr lang="en-US" altLang="ko-KR" smtClean="0"/>
-              <a:t>Ctrl-C </a:t>
-            </a:r>
-            <a:r>
-              <a:rPr lang="ko-KR" altLang="en-US" smtClean="0"/>
-              <a:t>를 입력하여 </a:t>
-            </a:r>
-            <a:r>
-              <a:rPr lang="en-US" altLang="ko-KR" smtClean="0"/>
-              <a:t>ping </a:t>
-            </a:r>
-            <a:r>
-              <a:rPr lang="ko-KR" altLang="en-US" smtClean="0"/>
-              <a:t>실행을 종료한다</a:t>
-            </a:r>
-            <a:r>
-              <a:rPr lang="en-US" altLang="ko-KR" smtClean="0"/>
-              <a:t>.</a:t>
+            <a:pPr lvl="1">
+              <a:buFont typeface="Times New Roman" panose="02020603050405020304" pitchFamily="18" charset="0"/>
+              <a:buChar char="$"/>
+            </a:pPr>
+            <a:r>
+              <a:rPr lang="en-US" altLang="ko-KR" dirty="0"/>
+              <a:t>ping 192.168.42.1 -</a:t>
+            </a:r>
+            <a:r>
+              <a:rPr lang="en-US" altLang="ko-KR"/>
+              <a:t>c 4 </a:t>
             </a:r>
             <a:endParaRPr lang="en-US" altLang="ko-KR" dirty="0"/>
           </a:p>
@@ -4131,18 +4063,14 @@
             </a:r>
             <a:r>
               <a:rPr lang="ko-KR" altLang="en-US" dirty="0"/>
-              <a:t>서버를 </a:t>
-            </a:r>
-            <a:r>
-              <a:rPr lang="ko-KR" altLang="en-US"/>
-              <a:t>실행한다</a:t>
-            </a:r>
-            <a:r>
-              <a:rPr lang="en-US" altLang="ko-KR" smtClean="0"/>
-              <a:t>. </a:t>
-            </a:r>
-            <a:r>
-              <a:rPr lang="en-US" smtClean="0"/>
+              <a:t>서버를 실행한다</a:t>
+            </a:r>
+            <a:r>
+              <a:rPr lang="en-US" altLang="ko-KR" dirty="0"/>
+              <a:t>. =&gt; </a:t>
+            </a:r>
+            <a:r>
+              <a:rPr lang="en-US" dirty="0"/>
               <a:t>telnet </a:t>
             </a:r>
             <a:r>
@@ -4157,7 +4085,7 @@
           </a:p>
           <a:p>
             <a:r>
-              <a:rPr lang="ko-KR" altLang="en-US" smtClean="0"/>
+              <a:rPr lang="ko-KR" altLang="en-US" dirty="0"/>
               <a:t>텔넷 접속 확인</a:t>
             </a:r>
             <a:endParaRPr lang="en-US" dirty="0"/>
@@ -4165,25 +4093,24 @@
           <a:p>
             <a:pPr lvl="1"/>
             <a:r>
-              <a:rPr lang="ko-KR" altLang="en-US"/>
+              <a:rPr lang="ko-KR" altLang="en-US" dirty="0"/>
               <a:t> </a:t>
             </a:r>
             <a:r>
-              <a:rPr lang="en-US" altLang="ko-KR" smtClean="0"/>
+              <a:rPr lang="en-US" altLang="ko-KR" dirty="0"/>
               <a:t>telnet</a:t>
             </a:r>
             <a:r>
-              <a:rPr lang="en-US" smtClean="0"/>
-              <a:t> 192.168.42.1:9050</a:t>
+              <a:rPr lang="en-US" dirty="0"/>
+              <a:t> 192.168.42.1</a:t>
             </a:r>
           </a:p>
           <a:p>
             <a:pPr lvl="2"/>
             <a:r>
-              <a:rPr lang="en-US" smtClean="0"/>
+              <a:rPr lang="en-US" dirty="0"/>
               <a:t>exit</a:t>
             </a:r>
-            <a:endParaRPr lang="en-US" dirty="0"/>
           </a:p>
         </p:txBody>
       </p:sp>
@@ -4204,7 +4131,7 @@
           <a:p>
             <a:fld id="{0A6664A7-F427-4CE6-B4E0-68F20D477FC0}" type="datetime1">
               <a:rPr lang="ko-KR" altLang="en-US" smtClean="0"/>
-              <a:t>2019-06-07</a:t>
+              <a:t>2019-06-09</a:t>
             </a:fld>
             <a:endParaRPr lang="en-US"/>
           </a:p>
@@ -4334,7 +4261,7 @@
           <a:p>
             <a:fld id="{0A6664A7-F427-4CE6-B4E0-68F20D477FC0}" type="datetime1">
               <a:rPr lang="ko-KR" altLang="en-US" smtClean="0"/>
-              <a:t>2019-06-07</a:t>
+              <a:t>2019-06-09</a:t>
             </a:fld>
             <a:endParaRPr lang="en-US"/>
           </a:p>
@@ -4409,7 +4336,7 @@
           <a:lstStyle/>
           <a:p>
             <a:r>
-              <a:rPr lang="en-US" sz="2400" smtClean="0"/>
+              <a:rPr lang="en-US" sz="2400"/>
               <a:t>PX4 </a:t>
             </a:r>
             <a:r>
@@ -4429,23 +4356,15 @@
           <a:p>
             <a:pPr lvl="1"/>
             <a:r>
-              <a:rPr lang="en-US" sz="2400" smtClean="0"/>
+              <a:rPr lang="en-US" sz="2400"/>
               <a:t>cd   ~/src/Firmware</a:t>
             </a:r>
           </a:p>
           <a:p>
             <a:pPr lvl="1"/>
             <a:r>
-              <a:rPr lang="en-US" sz="2400" smtClean="0"/>
-              <a:t>make </a:t>
-            </a:r>
-            <a:r>
               <a:rPr lang="en-US" sz="2400"/>
-              <a:t>parrot_bebop </a:t>
-            </a:r>
-            <a:r>
-              <a:rPr lang="en-US" sz="2400" smtClean="0"/>
-              <a:t>upload</a:t>
+              <a:t>make parrot_bebop upload</a:t>
             </a:r>
             <a:endParaRPr lang="en-US" sz="2400" dirty="0"/>
           </a:p>
@@ -4543,7 +4462,7 @@
           <a:p>
             <a:fld id="{0A6664A7-F427-4CE6-B4E0-68F20D477FC0}" type="datetime1">
               <a:rPr lang="ko-KR" altLang="en-US" smtClean="0"/>
-              <a:t>2019-06-07</a:t>
+              <a:t>2019-06-09</a:t>
             </a:fld>
             <a:endParaRPr lang="en-US"/>
           </a:p>
@@ -4630,7 +4549,7 @@
           <a:p>
             <a:pPr lvl="1"/>
             <a:r>
-              <a:rPr lang="en-US" smtClean="0"/>
+              <a:rPr lang="en-US"/>
               <a:t>telnet </a:t>
             </a:r>
             <a:r>
@@ -4656,36 +4575,36 @@
           <a:p>
             <a:pPr lvl="1"/>
             <a:r>
-              <a:rPr lang="en-US" smtClean="0"/>
+              <a:rPr lang="en-US"/>
               <a:t>kk</a:t>
             </a:r>
             <a:endParaRPr lang="en-US" dirty="0"/>
           </a:p>
           <a:p>
             <a:r>
-              <a:rPr lang="ko-KR" altLang="en-US" smtClean="0"/>
+              <a:rPr lang="ko-KR" altLang="en-US"/>
               <a:t>현재 실행중인 </a:t>
             </a:r>
             <a:r>
-              <a:rPr lang="en-US" altLang="ko-KR" smtClean="0"/>
+              <a:rPr lang="en-US" altLang="ko-KR"/>
               <a:t>arducopter </a:t>
             </a:r>
             <a:r>
-              <a:rPr lang="ko-KR" altLang="en-US" smtClean="0"/>
+              <a:rPr lang="ko-KR" altLang="en-US"/>
               <a:t>프로세스 정료</a:t>
             </a:r>
-            <a:endParaRPr lang="en-US" altLang="ko-KR" smtClean="0"/>
+            <a:endParaRPr lang="en-US" altLang="ko-KR"/>
           </a:p>
           <a:p>
             <a:pPr lvl="1"/>
             <a:r>
-              <a:rPr lang="en-US" altLang="ko-KR" smtClean="0"/>
+              <a:rPr lang="en-US" altLang="ko-KR"/>
               <a:t>killall arducopter</a:t>
             </a:r>
           </a:p>
           <a:p>
             <a:r>
-              <a:rPr lang="en-US" altLang="ko-KR" smtClean="0"/>
+              <a:rPr lang="en-US" altLang="ko-KR"/>
               <a:t>PX4 </a:t>
             </a:r>
             <a:r>
@@ -4705,7 +4624,7 @@
           <a:p>
             <a:pPr lvl="1"/>
             <a:r>
-              <a:rPr lang="en-US" smtClean="0"/>
+              <a:rPr lang="en-US"/>
               <a:t>/</a:t>
             </a:r>
             <a:r>
@@ -4714,11 +4633,7 @@
             </a:r>
             <a:r>
               <a:rPr lang="en-US"/>
-              <a:t>/</a:t>
-            </a:r>
-            <a:r>
-              <a:rPr lang="en-US" smtClean="0"/>
-              <a:t>home/root/px4.config </a:t>
+              <a:t>/home/root/px4.config </a:t>
             </a:r>
             <a:endParaRPr lang="en-US" dirty="0"/>
           </a:p>
@@ -4823,7 +4738,7 @@
           <a:p>
             <a:fld id="{0A6664A7-F427-4CE6-B4E0-68F20D477FC0}" type="datetime1">
               <a:rPr lang="ko-KR" altLang="en-US" smtClean="0"/>
-              <a:t>2019-06-07</a:t>
+              <a:t>2019-06-09</a:t>
             </a:fld>
             <a:endParaRPr lang="en-US"/>
           </a:p>
@@ -4911,17 +4826,13 @@
             <a:pPr lvl="1"/>
             <a:r>
               <a:rPr lang="en-US"/>
-              <a:t>telnet </a:t>
-            </a:r>
-            <a:r>
-              <a:rPr lang="en-US" smtClean="0"/>
-              <a:t>192.168.42.1</a:t>
-            </a:r>
-            <a:endParaRPr lang="en-US" altLang="ko-KR" smtClean="0"/>
-          </a:p>
-          <a:p>
-            <a:r>
-              <a:rPr lang="ko-KR" altLang="en-US" smtClean="0"/>
+              <a:t>telnet 192.168.42.1</a:t>
+            </a:r>
+            <a:endParaRPr lang="en-US" altLang="ko-KR"/>
+          </a:p>
+          <a:p>
+            <a:r>
+              <a:rPr lang="ko-KR" altLang="en-US"/>
               <a:t>루트 </a:t>
             </a:r>
             <a:r>
@@ -4937,7 +4848,7 @@
           <a:p>
             <a:pPr lvl="1"/>
             <a:r>
-              <a:rPr lang="en-US" smtClean="0"/>
+              <a:rPr lang="en-US"/>
               <a:t>mount </a:t>
             </a:r>
             <a:r>
@@ -4956,7 +4867,7 @@
           </a:p>
           <a:p>
             <a:r>
-              <a:rPr lang="ko-KR" altLang="en-US" sz="2400" smtClean="0"/>
+              <a:rPr lang="ko-KR" altLang="en-US" sz="2400"/>
               <a:t>리눅스 </a:t>
             </a:r>
             <a:r>
@@ -4968,7 +4879,7 @@
           <a:p>
             <a:pPr lvl="1"/>
             <a:r>
-              <a:rPr lang="en-US" sz="2400" smtClean="0"/>
+              <a:rPr lang="en-US" sz="2400"/>
               <a:t>cp </a:t>
             </a:r>
             <a:r>
@@ -5015,7 +4926,7 @@
           <a:p>
             <a:pPr lvl="1"/>
             <a:r>
-              <a:rPr lang="en-US" sz="2400" smtClean="0"/>
+              <a:rPr lang="en-US" sz="2400"/>
               <a:t>vi </a:t>
             </a:r>
             <a:r>
@@ -5176,12 +5087,8 @@
           </a:p>
           <a:p>
             <a:r>
-              <a:rPr lang="en-US" smtClean="0"/>
-              <a:t>/</a:t>
-            </a:r>
-            <a:r>
               <a:rPr lang="en-US"/>
-              <a:t>data/ftp/internal_000/px4/px4 -d -s /home/root/px4.config &gt; /home/root/px4.log</a:t>
+              <a:t>/data/ftp/internal_000/px4/px4 -d -s /home/root/px4.config &gt; /home/root/px4.log</a:t>
             </a:r>
           </a:p>
           <a:p>
@@ -5318,7 +5225,7 @@
           <a:p>
             <a:fld id="{0A6664A7-F427-4CE6-B4E0-68F20D477FC0}" type="datetime1">
               <a:rPr lang="ko-KR" altLang="en-US" smtClean="0"/>
-              <a:t>2019-06-07</a:t>
+              <a:t>2019-06-09</a:t>
             </a:fld>
             <a:endParaRPr lang="en-US"/>
           </a:p>
@@ -5554,7 +5461,7 @@
           <a:p>
             <a:fld id="{0A6664A7-F427-4CE6-B4E0-68F20D477FC0}" type="datetime1">
               <a:rPr lang="ko-KR" altLang="en-US" smtClean="0"/>
-              <a:t>2019-06-07</a:t>
+              <a:t>2019-06-09</a:t>
             </a:fld>
             <a:endParaRPr lang="en-US"/>
           </a:p>
@@ -5682,7 +5589,7 @@
           <a:p>
             <a:fld id="{0A6664A7-F427-4CE6-B4E0-68F20D477FC0}" type="datetime1">
               <a:rPr lang="ko-KR" altLang="en-US" smtClean="0"/>
-              <a:t>2019-06-07</a:t>
+              <a:t>2019-06-09</a:t>
             </a:fld>
             <a:endParaRPr lang="en-US"/>
           </a:p>
@@ -5861,7 +5768,7 @@
           <a:p>
             <a:fld id="{0A6664A7-F427-4CE6-B4E0-68F20D477FC0}" type="datetime1">
               <a:rPr lang="ko-KR" altLang="en-US" smtClean="0"/>
-              <a:t>2019-06-07</a:t>
+              <a:t>2019-06-09</a:t>
             </a:fld>
             <a:endParaRPr lang="en-US"/>
           </a:p>
@@ -6093,7 +6000,7 @@
           <a:p>
             <a:fld id="{0A6664A7-F427-4CE6-B4E0-68F20D477FC0}" type="datetime1">
               <a:rPr lang="ko-KR" altLang="en-US" smtClean="0"/>
-              <a:t>2019-06-07</a:t>
+              <a:t>2019-06-09</a:t>
             </a:fld>
             <a:endParaRPr lang="en-US"/>
           </a:p>
@@ -6248,7 +6155,7 @@
           <a:p>
             <a:fld id="{7499096A-FB80-4DFA-8377-57081A574AA4}" type="datetime1">
               <a:rPr lang="ko-KR" altLang="en-US" smtClean="0"/>
-              <a:t>2019-06-07</a:t>
+              <a:t>2019-06-09</a:t>
             </a:fld>
             <a:endParaRPr lang="en-US"/>
           </a:p>
@@ -6476,7 +6383,7 @@
           <a:p>
             <a:fld id="{0A6664A7-F427-4CE6-B4E0-68F20D477FC0}" type="datetime1">
               <a:rPr lang="ko-KR" altLang="en-US" smtClean="0"/>
-              <a:t>2019-06-07</a:t>
+              <a:t>2019-06-09</a:t>
             </a:fld>
             <a:endParaRPr lang="en-US"/>
           </a:p>
@@ -6648,15 +6555,15 @@
                     <a:p>
                       <a:pPr algn="ctr"/>
                       <a:r>
-                        <a:rPr lang="ko-KR" altLang="en-US" smtClean="0"/>
+                        <a:rPr lang="ko-KR" altLang="en-US"/>
                         <a:t>본체</a:t>
                       </a:r>
-                      <a:endParaRPr lang="en-US" altLang="ko-KR" smtClean="0"/>
+                      <a:endParaRPr lang="en-US" altLang="ko-KR"/>
                     </a:p>
                     <a:p>
                       <a:pPr algn="ctr"/>
                       <a:r>
-                        <a:rPr lang="en-US" smtClean="0"/>
+                        <a:rPr lang="en-US"/>
                         <a:t>(Controller)</a:t>
                       </a:r>
                       <a:endParaRPr lang="en-US" dirty="0"/>
@@ -7111,7 +7018,7 @@
                     <a:p>
                       <a:pPr algn="ctr"/>
                       <a:r>
-                        <a:rPr lang="en-US" sz="2800" smtClean="0"/>
+                        <a:rPr lang="en-US" sz="2800"/>
                         <a:t>Radio</a:t>
                       </a:r>
                       <a:endParaRPr lang="en-US" sz="2800" dirty="0"/>
@@ -7241,15 +7148,15 @@
                     <a:p>
                       <a:pPr algn="ctr"/>
                       <a:r>
-                        <a:rPr lang="ko-KR" altLang="en-US" smtClean="0"/>
+                        <a:rPr lang="ko-KR" altLang="en-US"/>
                         <a:t>조종</a:t>
                       </a:r>
-                      <a:endParaRPr lang="en-US" altLang="ko-KR" smtClean="0"/>
+                      <a:endParaRPr lang="en-US" altLang="ko-KR"/>
                     </a:p>
                     <a:p>
                       <a:pPr algn="ctr"/>
                       <a:r>
-                        <a:rPr lang="ko-KR" altLang="en-US" smtClean="0"/>
+                        <a:rPr lang="ko-KR" altLang="en-US"/>
                         <a:t>프로그램</a:t>
                       </a:r>
                       <a:endParaRPr lang="en-US" dirty="0"/>
@@ -7668,7 +7575,7 @@
           <a:p>
             <a:fld id="{0A6664A7-F427-4CE6-B4E0-68F20D477FC0}" type="datetime1">
               <a:rPr lang="ko-KR" altLang="en-US" smtClean="0"/>
-              <a:t>2019-06-07</a:t>
+              <a:t>2019-06-09</a:t>
             </a:fld>
             <a:endParaRPr lang="en-US"/>
           </a:p>
@@ -8482,7 +8389,7 @@
           <a:p>
             <a:fld id="{0A6664A7-F427-4CE6-B4E0-68F20D477FC0}" type="datetime1">
               <a:rPr lang="ko-KR" altLang="en-US" smtClean="0"/>
-              <a:t>2019-06-07</a:t>
+              <a:t>2019-06-09</a:t>
             </a:fld>
             <a:endParaRPr lang="en-US"/>
           </a:p>
@@ -8839,7 +8746,7 @@
           <a:p>
             <a:fld id="{0A6664A7-F427-4CE6-B4E0-68F20D477FC0}" type="datetime1">
               <a:rPr lang="ko-KR" altLang="en-US" smtClean="0"/>
-              <a:t>2019-06-07</a:t>
+              <a:t>2019-06-09</a:t>
             </a:fld>
             <a:endParaRPr lang="en-US"/>
           </a:p>
@@ -8927,13 +8834,6 @@
   <p:clrMapOvr>
     <a:masterClrMapping/>
   </p:clrMapOvr>
-  <p:timing>
-    <p:tnLst>
-      <p:par>
-        <p:cTn id="1" dur="indefinite" restart="never" nodeType="tmRoot"/>
-      </p:par>
-    </p:tnLst>
-  </p:timing>
 </p:sld>
 </file>
 
@@ -9043,7 +8943,7 @@
           <a:p>
             <a:fld id="{0A6664A7-F427-4CE6-B4E0-68F20D477FC0}" type="datetime1">
               <a:rPr lang="ko-KR" altLang="en-US" smtClean="0"/>
-              <a:t>2019-06-07</a:t>
+              <a:t>2019-06-09</a:t>
             </a:fld>
             <a:endParaRPr lang="en-US"/>
           </a:p>
@@ -9138,13 +9038,6 @@
   <p:clrMapOvr>
     <a:masterClrMapping/>
   </p:clrMapOvr>
-  <p:timing>
-    <p:tnLst>
-      <p:par>
-        <p:cTn id="1" dur="indefinite" restart="never" nodeType="tmRoot"/>
-      </p:par>
-    </p:tnLst>
-  </p:timing>
 </p:sld>
 </file>
 
@@ -9239,7 +9132,7 @@
           <a:p>
             <a:fld id="{0A6664A7-F427-4CE6-B4E0-68F20D477FC0}" type="datetime1">
               <a:rPr lang="ko-KR" altLang="en-US" smtClean="0"/>
-              <a:t>2019-06-07</a:t>
+              <a:t>2019-06-09</a:t>
             </a:fld>
             <a:endParaRPr lang="en-US"/>
           </a:p>
@@ -9301,13 +9194,6 @@
   <p:clrMapOvr>
     <a:masterClrMapping/>
   </p:clrMapOvr>
-  <p:timing>
-    <p:tnLst>
-      <p:par>
-        <p:cTn id="1" dur="indefinite" restart="never" nodeType="tmRoot"/>
-      </p:par>
-    </p:tnLst>
-  </p:timing>
 </p:sld>
 </file>
 
@@ -9465,11 +9351,7 @@
             </a:r>
             <a:r>
               <a:rPr lang="en-US" sz="2000"/>
-              <a:t>install </a:t>
-            </a:r>
-            <a:r>
-              <a:rPr lang="en-US" sz="2000" smtClean="0"/>
-              <a:t>cmake</a:t>
+              <a:t>install cmake</a:t>
             </a:r>
             <a:endParaRPr lang="en-US" sz="2000" dirty="0"/>
           </a:p>
@@ -9546,7 +9428,7 @@
           <a:p>
             <a:fld id="{0A6664A7-F427-4CE6-B4E0-68F20D477FC0}" type="datetime1">
               <a:rPr lang="ko-KR" altLang="en-US" smtClean="0"/>
-              <a:t>2019-06-07</a:t>
+              <a:t>2019-06-09</a:t>
             </a:fld>
             <a:endParaRPr lang="en-US"/>
           </a:p>
@@ -9608,13 +9490,6 @@
   <p:clrMapOvr>
     <a:masterClrMapping/>
   </p:clrMapOvr>
-  <p:timing>
-    <p:tnLst>
-      <p:par>
-        <p:cTn id="1" dur="indefinite" restart="never" nodeType="tmRoot"/>
-      </p:par>
-    </p:tnLst>
-  </p:timing>
 </p:sld>
 </file>
 
